--- a/For paper/TestsChoiceOfEpsilon.pptx
+++ b/For paper/TestsChoiceOfEpsilon.pptx
@@ -291,7 +291,7 @@
           <a:p>
             <a:fld id="{B5862CE2-9FBC-4D2F-9180-A84200B8CAE8}" type="datetimeFigureOut">
               <a:rPr lang="en-US" smtClean="0"/>
-              <a:t>8/4/2016</a:t>
+              <a:t>8/8/2016</a:t>
             </a:fld>
             <a:endParaRPr lang="en-US"/>
           </a:p>
@@ -461,7 +461,7 @@
           <a:p>
             <a:fld id="{B5862CE2-9FBC-4D2F-9180-A84200B8CAE8}" type="datetimeFigureOut">
               <a:rPr lang="en-US" smtClean="0"/>
-              <a:t>8/4/2016</a:t>
+              <a:t>8/8/2016</a:t>
             </a:fld>
             <a:endParaRPr lang="en-US"/>
           </a:p>
@@ -641,7 +641,7 @@
           <a:p>
             <a:fld id="{B5862CE2-9FBC-4D2F-9180-A84200B8CAE8}" type="datetimeFigureOut">
               <a:rPr lang="en-US" smtClean="0"/>
-              <a:t>8/4/2016</a:t>
+              <a:t>8/8/2016</a:t>
             </a:fld>
             <a:endParaRPr lang="en-US"/>
           </a:p>
@@ -811,7 +811,7 @@
           <a:p>
             <a:fld id="{B5862CE2-9FBC-4D2F-9180-A84200B8CAE8}" type="datetimeFigureOut">
               <a:rPr lang="en-US" smtClean="0"/>
-              <a:t>8/4/2016</a:t>
+              <a:t>8/8/2016</a:t>
             </a:fld>
             <a:endParaRPr lang="en-US"/>
           </a:p>
@@ -1057,7 +1057,7 @@
           <a:p>
             <a:fld id="{B5862CE2-9FBC-4D2F-9180-A84200B8CAE8}" type="datetimeFigureOut">
               <a:rPr lang="en-US" smtClean="0"/>
-              <a:t>8/4/2016</a:t>
+              <a:t>8/8/2016</a:t>
             </a:fld>
             <a:endParaRPr lang="en-US"/>
           </a:p>
@@ -1345,7 +1345,7 @@
           <a:p>
             <a:fld id="{B5862CE2-9FBC-4D2F-9180-A84200B8CAE8}" type="datetimeFigureOut">
               <a:rPr lang="en-US" smtClean="0"/>
-              <a:t>8/4/2016</a:t>
+              <a:t>8/8/2016</a:t>
             </a:fld>
             <a:endParaRPr lang="en-US"/>
           </a:p>
@@ -1767,7 +1767,7 @@
           <a:p>
             <a:fld id="{B5862CE2-9FBC-4D2F-9180-A84200B8CAE8}" type="datetimeFigureOut">
               <a:rPr lang="en-US" smtClean="0"/>
-              <a:t>8/4/2016</a:t>
+              <a:t>8/8/2016</a:t>
             </a:fld>
             <a:endParaRPr lang="en-US"/>
           </a:p>
@@ -1885,7 +1885,7 @@
           <a:p>
             <a:fld id="{B5862CE2-9FBC-4D2F-9180-A84200B8CAE8}" type="datetimeFigureOut">
               <a:rPr lang="en-US" smtClean="0"/>
-              <a:t>8/4/2016</a:t>
+              <a:t>8/8/2016</a:t>
             </a:fld>
             <a:endParaRPr lang="en-US"/>
           </a:p>
@@ -1980,7 +1980,7 @@
           <a:p>
             <a:fld id="{B5862CE2-9FBC-4D2F-9180-A84200B8CAE8}" type="datetimeFigureOut">
               <a:rPr lang="en-US" smtClean="0"/>
-              <a:t>8/4/2016</a:t>
+              <a:t>8/8/2016</a:t>
             </a:fld>
             <a:endParaRPr lang="en-US"/>
           </a:p>
@@ -2257,7 +2257,7 @@
           <a:p>
             <a:fld id="{B5862CE2-9FBC-4D2F-9180-A84200B8CAE8}" type="datetimeFigureOut">
               <a:rPr lang="en-US" smtClean="0"/>
-              <a:t>8/4/2016</a:t>
+              <a:t>8/8/2016</a:t>
             </a:fld>
             <a:endParaRPr lang="en-US"/>
           </a:p>
@@ -2510,7 +2510,7 @@
           <a:p>
             <a:fld id="{B5862CE2-9FBC-4D2F-9180-A84200B8CAE8}" type="datetimeFigureOut">
               <a:rPr lang="en-US" smtClean="0"/>
-              <a:t>8/4/2016</a:t>
+              <a:t>8/8/2016</a:t>
             </a:fld>
             <a:endParaRPr lang="en-US"/>
           </a:p>
@@ -2723,7 +2723,7 @@
           <a:p>
             <a:fld id="{B5862CE2-9FBC-4D2F-9180-A84200B8CAE8}" type="datetimeFigureOut">
               <a:rPr lang="en-US" smtClean="0"/>
-              <a:t>8/4/2016</a:t>
+              <a:t>8/8/2016</a:t>
             </a:fld>
             <a:endParaRPr lang="en-US"/>
           </a:p>
@@ -3521,9 +3521,408 @@
           <a:chExt cx="0" cy="0"/>
         </a:xfrm>
       </p:grpSpPr>
+      <p:sp>
+        <p:nvSpPr>
+          <p:cNvPr id="9" name="Rectangle 8"/>
+          <p:cNvSpPr/>
+          <p:nvPr/>
+        </p:nvSpPr>
+        <p:spPr>
+          <a:xfrm>
+            <a:off x="4128645" y="296995"/>
+            <a:ext cx="152400" cy="152400"/>
+          </a:xfrm>
+          <a:prstGeom prst="rect">
+            <a:avLst/>
+          </a:prstGeom>
+          <a:noFill/>
+          <a:ln w="12700">
+            <a:solidFill>
+              <a:srgbClr val="FF0000"/>
+            </a:solidFill>
+          </a:ln>
+        </p:spPr>
+        <p:style>
+          <a:lnRef idx="2">
+            <a:schemeClr val="accent1">
+              <a:shade val="50000"/>
+            </a:schemeClr>
+          </a:lnRef>
+          <a:fillRef idx="1">
+            <a:schemeClr val="accent1"/>
+          </a:fillRef>
+          <a:effectRef idx="0">
+            <a:schemeClr val="accent1"/>
+          </a:effectRef>
+          <a:fontRef idx="minor">
+            <a:schemeClr val="lt1"/>
+          </a:fontRef>
+        </p:style>
+        <p:txBody>
+          <a:bodyPr rtlCol="0" anchor="ctr"/>
+          <a:lstStyle/>
+          <a:p>
+            <a:pPr algn="ctr"/>
+            <a:endParaRPr lang="en-US"/>
+          </a:p>
+        </p:txBody>
+      </p:sp>
+      <p:cxnSp>
+        <p:nvCxnSpPr>
+          <p:cNvPr id="14" name="Straight Connector 13"/>
+          <p:cNvCxnSpPr/>
+          <p:nvPr/>
+        </p:nvCxnSpPr>
+        <p:spPr>
+          <a:xfrm flipV="1">
+            <a:off x="2326575" y="375166"/>
+            <a:ext cx="342900" cy="130"/>
+          </a:xfrm>
+          <a:prstGeom prst="line">
+            <a:avLst/>
+          </a:prstGeom>
+          <a:ln w="25400">
+            <a:solidFill>
+              <a:srgbClr val="0000FF"/>
+            </a:solidFill>
+          </a:ln>
+        </p:spPr>
+        <p:style>
+          <a:lnRef idx="1">
+            <a:schemeClr val="accent1"/>
+          </a:lnRef>
+          <a:fillRef idx="0">
+            <a:schemeClr val="accent1"/>
+          </a:fillRef>
+          <a:effectRef idx="0">
+            <a:schemeClr val="accent1"/>
+          </a:effectRef>
+          <a:fontRef idx="minor">
+            <a:schemeClr val="tx1"/>
+          </a:fontRef>
+        </p:style>
+      </p:cxnSp>
+      <p:sp>
+        <p:nvSpPr>
+          <p:cNvPr id="15" name="TextBox 14"/>
+          <p:cNvSpPr txBox="1"/>
+          <p:nvPr/>
+        </p:nvSpPr>
+        <p:spPr>
+          <a:xfrm>
+            <a:off x="2640071" y="228600"/>
+            <a:ext cx="1189556" cy="276999"/>
+          </a:xfrm>
+          <a:prstGeom prst="rect">
+            <a:avLst/>
+          </a:prstGeom>
+          <a:noFill/>
+        </p:spPr>
+        <p:txBody>
+          <a:bodyPr wrap="none" rtlCol="0">
+            <a:spAutoFit/>
+          </a:bodyPr>
+          <a:lstStyle/>
+          <a:p>
+            <a:r>
+              <a:rPr lang="en-US" sz="1200" dirty="0" smtClean="0">
+                <a:latin typeface="Arial" pitchFamily="34" charset="0"/>
+                <a:cs typeface="Arial" pitchFamily="34" charset="0"/>
+              </a:rPr>
+              <a:t>MATLAB lasso</a:t>
+            </a:r>
+            <a:endParaRPr lang="en-US" sz="1200" dirty="0">
+              <a:latin typeface="Arial" pitchFamily="34" charset="0"/>
+              <a:cs typeface="Arial" pitchFamily="34" charset="0"/>
+            </a:endParaRPr>
+          </a:p>
+        </p:txBody>
+      </p:sp>
+      <p:cxnSp>
+        <p:nvCxnSpPr>
+          <p:cNvPr id="16" name="Straight Connector 15"/>
+          <p:cNvCxnSpPr/>
+          <p:nvPr/>
+        </p:nvCxnSpPr>
+        <p:spPr>
+          <a:xfrm>
+            <a:off x="3993009" y="375166"/>
+            <a:ext cx="380535" cy="0"/>
+          </a:xfrm>
+          <a:prstGeom prst="line">
+            <a:avLst/>
+          </a:prstGeom>
+          <a:ln w="25400">
+            <a:solidFill>
+              <a:srgbClr val="FF0000"/>
+            </a:solidFill>
+          </a:ln>
+        </p:spPr>
+        <p:style>
+          <a:lnRef idx="1">
+            <a:schemeClr val="accent1"/>
+          </a:lnRef>
+          <a:fillRef idx="0">
+            <a:schemeClr val="accent1"/>
+          </a:fillRef>
+          <a:effectRef idx="0">
+            <a:schemeClr val="accent1"/>
+          </a:effectRef>
+          <a:fontRef idx="minor">
+            <a:schemeClr val="tx1"/>
+          </a:fontRef>
+        </p:style>
+      </p:cxnSp>
+      <p:sp>
+        <p:nvSpPr>
+          <p:cNvPr id="17" name="TextBox 16"/>
+          <p:cNvSpPr txBox="1"/>
+          <p:nvPr/>
+        </p:nvSpPr>
+        <p:spPr>
+          <a:xfrm>
+            <a:off x="4336520" y="228600"/>
+            <a:ext cx="630301" cy="276999"/>
+          </a:xfrm>
+          <a:prstGeom prst="rect">
+            <a:avLst/>
+          </a:prstGeom>
+          <a:noFill/>
+        </p:spPr>
+        <p:txBody>
+          <a:bodyPr wrap="none" rtlCol="0">
+            <a:spAutoFit/>
+          </a:bodyPr>
+          <a:lstStyle/>
+          <a:p>
+            <a:r>
+              <a:rPr lang="en-US" sz="1200" dirty="0" smtClean="0">
+                <a:latin typeface="Arial" pitchFamily="34" charset="0"/>
+                <a:cs typeface="Arial" pitchFamily="34" charset="0"/>
+              </a:rPr>
+              <a:t>PQSQ</a:t>
+            </a:r>
+            <a:endParaRPr lang="en-US" sz="1200" dirty="0">
+              <a:latin typeface="Arial" pitchFamily="34" charset="0"/>
+              <a:cs typeface="Arial" pitchFamily="34" charset="0"/>
+            </a:endParaRPr>
+          </a:p>
+        </p:txBody>
+      </p:sp>
+      <p:cxnSp>
+        <p:nvCxnSpPr>
+          <p:cNvPr id="18" name="Straight Connector 17"/>
+          <p:cNvCxnSpPr/>
+          <p:nvPr/>
+        </p:nvCxnSpPr>
+        <p:spPr>
+          <a:xfrm flipV="1">
+            <a:off x="5058268" y="375166"/>
+            <a:ext cx="342900" cy="130"/>
+          </a:xfrm>
+          <a:prstGeom prst="line">
+            <a:avLst/>
+          </a:prstGeom>
+          <a:ln w="25400">
+            <a:solidFill>
+              <a:srgbClr val="FF00FF"/>
+            </a:solidFill>
+          </a:ln>
+        </p:spPr>
+        <p:style>
+          <a:lnRef idx="1">
+            <a:schemeClr val="accent1"/>
+          </a:lnRef>
+          <a:fillRef idx="0">
+            <a:schemeClr val="accent1"/>
+          </a:fillRef>
+          <a:effectRef idx="0">
+            <a:schemeClr val="accent1"/>
+          </a:effectRef>
+          <a:fontRef idx="minor">
+            <a:schemeClr val="tx1"/>
+          </a:fontRef>
+        </p:style>
+      </p:cxnSp>
+      <p:sp>
+        <p:nvSpPr>
+          <p:cNvPr id="19" name="TextBox 18"/>
+          <p:cNvSpPr txBox="1"/>
+          <p:nvPr/>
+        </p:nvSpPr>
+        <p:spPr>
+          <a:xfrm>
+            <a:off x="5356524" y="228600"/>
+            <a:ext cx="1577676" cy="276999"/>
+          </a:xfrm>
+          <a:prstGeom prst="rect">
+            <a:avLst/>
+          </a:prstGeom>
+          <a:noFill/>
+        </p:spPr>
+        <p:txBody>
+          <a:bodyPr wrap="none" rtlCol="0">
+            <a:spAutoFit/>
+          </a:bodyPr>
+          <a:lstStyle/>
+          <a:p>
+            <a:r>
+              <a:rPr lang="en-US" sz="1200" dirty="0" smtClean="0">
+                <a:latin typeface="Arial" pitchFamily="34" charset="0"/>
+                <a:cs typeface="Arial" pitchFamily="34" charset="0"/>
+              </a:rPr>
+              <a:t>PQSQ with trimming</a:t>
+            </a:r>
+            <a:endParaRPr lang="en-US" sz="1200" dirty="0">
+              <a:latin typeface="Arial" pitchFamily="34" charset="0"/>
+              <a:cs typeface="Arial" pitchFamily="34" charset="0"/>
+            </a:endParaRPr>
+          </a:p>
+        </p:txBody>
+      </p:sp>
+      <p:cxnSp>
+        <p:nvCxnSpPr>
+          <p:cNvPr id="20" name="Straight Connector 19"/>
+          <p:cNvCxnSpPr/>
+          <p:nvPr/>
+        </p:nvCxnSpPr>
+        <p:spPr>
+          <a:xfrm>
+            <a:off x="2435601" y="296995"/>
+            <a:ext cx="152400" cy="152400"/>
+          </a:xfrm>
+          <a:prstGeom prst="line">
+            <a:avLst/>
+          </a:prstGeom>
+          <a:ln>
+            <a:solidFill>
+              <a:srgbClr val="2D0AFC"/>
+            </a:solidFill>
+          </a:ln>
+        </p:spPr>
+        <p:style>
+          <a:lnRef idx="1">
+            <a:schemeClr val="accent1"/>
+          </a:lnRef>
+          <a:fillRef idx="0">
+            <a:schemeClr val="accent1"/>
+          </a:fillRef>
+          <a:effectRef idx="0">
+            <a:schemeClr val="accent1"/>
+          </a:effectRef>
+          <a:fontRef idx="minor">
+            <a:schemeClr val="tx1"/>
+          </a:fontRef>
+        </p:style>
+      </p:cxnSp>
+      <p:cxnSp>
+        <p:nvCxnSpPr>
+          <p:cNvPr id="21" name="Straight Connector 20"/>
+          <p:cNvCxnSpPr/>
+          <p:nvPr/>
+        </p:nvCxnSpPr>
+        <p:spPr>
+          <a:xfrm flipV="1">
+            <a:off x="2435601" y="296995"/>
+            <a:ext cx="152400" cy="152400"/>
+          </a:xfrm>
+          <a:prstGeom prst="line">
+            <a:avLst/>
+          </a:prstGeom>
+          <a:ln>
+            <a:solidFill>
+              <a:srgbClr val="2D0AFC"/>
+            </a:solidFill>
+          </a:ln>
+        </p:spPr>
+        <p:style>
+          <a:lnRef idx="1">
+            <a:schemeClr val="accent1"/>
+          </a:lnRef>
+          <a:fillRef idx="0">
+            <a:schemeClr val="accent1"/>
+          </a:fillRef>
+          <a:effectRef idx="0">
+            <a:schemeClr val="accent1"/>
+          </a:effectRef>
+          <a:fontRef idx="minor">
+            <a:schemeClr val="tx1"/>
+          </a:fontRef>
+        </p:style>
+      </p:cxnSp>
+      <p:cxnSp>
+        <p:nvCxnSpPr>
+          <p:cNvPr id="22" name="Straight Connector 21"/>
+          <p:cNvCxnSpPr/>
+          <p:nvPr/>
+        </p:nvCxnSpPr>
+        <p:spPr>
+          <a:xfrm rot="2700000">
+            <a:off x="5154014" y="277760"/>
+            <a:ext cx="152400" cy="152400"/>
+          </a:xfrm>
+          <a:prstGeom prst="line">
+            <a:avLst/>
+          </a:prstGeom>
+          <a:ln>
+            <a:solidFill>
+              <a:srgbClr val="FF00FF"/>
+            </a:solidFill>
+          </a:ln>
+        </p:spPr>
+        <p:style>
+          <a:lnRef idx="1">
+            <a:schemeClr val="accent1"/>
+          </a:lnRef>
+          <a:fillRef idx="0">
+            <a:schemeClr val="accent1"/>
+          </a:fillRef>
+          <a:effectRef idx="0">
+            <a:schemeClr val="accent1"/>
+          </a:effectRef>
+          <a:fontRef idx="minor">
+            <a:schemeClr val="tx1"/>
+          </a:fontRef>
+        </p:style>
+      </p:cxnSp>
+      <p:cxnSp>
+        <p:nvCxnSpPr>
+          <p:cNvPr id="23" name="Straight Connector 22"/>
+          <p:cNvCxnSpPr/>
+          <p:nvPr/>
+        </p:nvCxnSpPr>
+        <p:spPr>
+          <a:xfrm rot="2700000" flipV="1">
+            <a:off x="5154014" y="277760"/>
+            <a:ext cx="152400" cy="152400"/>
+          </a:xfrm>
+          <a:prstGeom prst="line">
+            <a:avLst/>
+          </a:prstGeom>
+          <a:ln>
+            <a:solidFill>
+              <a:srgbClr val="FF00FF"/>
+            </a:solidFill>
+          </a:ln>
+        </p:spPr>
+        <p:style>
+          <a:lnRef idx="1">
+            <a:schemeClr val="accent1"/>
+          </a:lnRef>
+          <a:fillRef idx="0">
+            <a:schemeClr val="accent1"/>
+          </a:fillRef>
+          <a:effectRef idx="0">
+            <a:schemeClr val="accent1"/>
+          </a:effectRef>
+          <a:fontRef idx="minor">
+            <a:schemeClr val="tx1"/>
+          </a:fontRef>
+        </p:style>
+      </p:cxnSp>
       <p:pic>
         <p:nvPicPr>
-          <p:cNvPr id="4098" name="Picture 2"/>
+          <p:cNvPr id="1026" name="Picture 2"/>
           <p:cNvPicPr>
             <a:picLocks noChangeAspect="1" noChangeArrowheads="1"/>
           </p:cNvPicPr>
@@ -3544,8 +3943,8 @@
         </p:blipFill>
         <p:spPr bwMode="auto">
           <a:xfrm>
-            <a:off x="228600" y="1056238"/>
-            <a:ext cx="8534400" cy="4457151"/>
+            <a:off x="152400" y="527104"/>
+            <a:ext cx="8441195" cy="6330896"/>
           </a:xfrm>
           <a:prstGeom prst="rect">
             <a:avLst/>
@@ -3585,201 +3984,6 @@
           </a:extLst>
         </p:spPr>
       </p:pic>
-      <p:cxnSp>
-        <p:nvCxnSpPr>
-          <p:cNvPr id="7" name="Straight Connector 6"/>
-          <p:cNvCxnSpPr/>
-          <p:nvPr/>
-        </p:nvCxnSpPr>
-        <p:spPr>
-          <a:xfrm>
-            <a:off x="1098148" y="790266"/>
-            <a:ext cx="685800" cy="0"/>
-          </a:xfrm>
-          <a:prstGeom prst="line">
-            <a:avLst/>
-          </a:prstGeom>
-          <a:ln w="63500">
-            <a:solidFill>
-              <a:srgbClr val="0000FF"/>
-            </a:solidFill>
-          </a:ln>
-        </p:spPr>
-        <p:style>
-          <a:lnRef idx="1">
-            <a:schemeClr val="accent1"/>
-          </a:lnRef>
-          <a:fillRef idx="0">
-            <a:schemeClr val="accent1"/>
-          </a:fillRef>
-          <a:effectRef idx="0">
-            <a:schemeClr val="accent1"/>
-          </a:effectRef>
-          <a:fontRef idx="minor">
-            <a:schemeClr val="tx1"/>
-          </a:fontRef>
-        </p:style>
-      </p:cxnSp>
-      <p:sp>
-        <p:nvSpPr>
-          <p:cNvPr id="8" name="TextBox 7"/>
-          <p:cNvSpPr txBox="1"/>
-          <p:nvPr/>
-        </p:nvSpPr>
-        <p:spPr>
-          <a:xfrm>
-            <a:off x="1861224" y="605600"/>
-            <a:ext cx="1527469" cy="369332"/>
-          </a:xfrm>
-          <a:prstGeom prst="rect">
-            <a:avLst/>
-          </a:prstGeom>
-          <a:noFill/>
-        </p:spPr>
-        <p:txBody>
-          <a:bodyPr wrap="none" rtlCol="0">
-            <a:spAutoFit/>
-          </a:bodyPr>
-          <a:lstStyle/>
-          <a:p>
-            <a:r>
-              <a:rPr lang="en-US" dirty="0" smtClean="0"/>
-              <a:t>standard lasso</a:t>
-            </a:r>
-            <a:endParaRPr lang="en-US" dirty="0"/>
-          </a:p>
-        </p:txBody>
-      </p:sp>
-      <p:cxnSp>
-        <p:nvCxnSpPr>
-          <p:cNvPr id="10" name="Straight Connector 9"/>
-          <p:cNvCxnSpPr/>
-          <p:nvPr/>
-        </p:nvCxnSpPr>
-        <p:spPr>
-          <a:xfrm>
-            <a:off x="3533737" y="805934"/>
-            <a:ext cx="685800" cy="0"/>
-          </a:xfrm>
-          <a:prstGeom prst="line">
-            <a:avLst/>
-          </a:prstGeom>
-          <a:ln w="63500">
-            <a:solidFill>
-              <a:srgbClr val="FF0000"/>
-            </a:solidFill>
-          </a:ln>
-        </p:spPr>
-        <p:style>
-          <a:lnRef idx="1">
-            <a:schemeClr val="accent1"/>
-          </a:lnRef>
-          <a:fillRef idx="0">
-            <a:schemeClr val="accent1"/>
-          </a:fillRef>
-          <a:effectRef idx="0">
-            <a:schemeClr val="accent1"/>
-          </a:effectRef>
-          <a:fontRef idx="minor">
-            <a:schemeClr val="tx1"/>
-          </a:fontRef>
-        </p:style>
-      </p:cxnSp>
-      <p:sp>
-        <p:nvSpPr>
-          <p:cNvPr id="11" name="TextBox 10"/>
-          <p:cNvSpPr txBox="1"/>
-          <p:nvPr/>
-        </p:nvSpPr>
-        <p:spPr>
-          <a:xfrm>
-            <a:off x="4296813" y="621268"/>
-            <a:ext cx="720069" cy="369332"/>
-          </a:xfrm>
-          <a:prstGeom prst="rect">
-            <a:avLst/>
-          </a:prstGeom>
-          <a:noFill/>
-        </p:spPr>
-        <p:txBody>
-          <a:bodyPr wrap="none" rtlCol="0">
-            <a:spAutoFit/>
-          </a:bodyPr>
-          <a:lstStyle/>
-          <a:p>
-            <a:r>
-              <a:rPr lang="en-US" dirty="0" smtClean="0"/>
-              <a:t>PQSQ</a:t>
-            </a:r>
-            <a:endParaRPr lang="en-US" dirty="0"/>
-          </a:p>
-        </p:txBody>
-      </p:sp>
-      <p:cxnSp>
-        <p:nvCxnSpPr>
-          <p:cNvPr id="12" name="Straight Connector 11"/>
-          <p:cNvCxnSpPr/>
-          <p:nvPr/>
-        </p:nvCxnSpPr>
-        <p:spPr>
-          <a:xfrm>
-            <a:off x="5209061" y="790266"/>
-            <a:ext cx="685800" cy="0"/>
-          </a:xfrm>
-          <a:prstGeom prst="line">
-            <a:avLst/>
-          </a:prstGeom>
-          <a:ln w="63500">
-            <a:solidFill>
-              <a:srgbClr val="FF00FF"/>
-            </a:solidFill>
-          </a:ln>
-        </p:spPr>
-        <p:style>
-          <a:lnRef idx="1">
-            <a:schemeClr val="accent1"/>
-          </a:lnRef>
-          <a:fillRef idx="0">
-            <a:schemeClr val="accent1"/>
-          </a:fillRef>
-          <a:effectRef idx="0">
-            <a:schemeClr val="accent1"/>
-          </a:effectRef>
-          <a:fontRef idx="minor">
-            <a:schemeClr val="tx1"/>
-          </a:fontRef>
-        </p:style>
-      </p:cxnSp>
-      <p:sp>
-        <p:nvSpPr>
-          <p:cNvPr id="13" name="TextBox 12"/>
-          <p:cNvSpPr txBox="1"/>
-          <p:nvPr/>
-        </p:nvSpPr>
-        <p:spPr>
-          <a:xfrm>
-            <a:off x="5972137" y="605600"/>
-            <a:ext cx="2105063" cy="369332"/>
-          </a:xfrm>
-          <a:prstGeom prst="rect">
-            <a:avLst/>
-          </a:prstGeom>
-          <a:noFill/>
-        </p:spPr>
-        <p:txBody>
-          <a:bodyPr wrap="none" rtlCol="0">
-            <a:spAutoFit/>
-          </a:bodyPr>
-          <a:lstStyle/>
-          <a:p>
-            <a:r>
-              <a:rPr lang="en-US" dirty="0" smtClean="0"/>
-              <a:t>PQSQ with trimming</a:t>
-            </a:r>
-            <a:endParaRPr lang="en-US" dirty="0"/>
-          </a:p>
-        </p:txBody>
-      </p:sp>
     </p:spTree>
     <p:extLst>
       <p:ext uri="{BB962C8B-B14F-4D97-AF65-F5344CB8AC3E}">
